--- a/lesson_007/Presentation/sessions_cookies.pptx
+++ b/lesson_007/Presentation/sessions_cookies.pptx
@@ -618,7 +618,7 @@
     </p:spTree>
     <p:extLst>
       <p:ext uri="{BB962C8B-B14F-4D97-AF65-F5344CB8AC3E}">
-        <p14:creationId xmlns="" xmlns:p14="http://schemas.microsoft.com/office/powerpoint/2010/main" val="3537187278"/>
+        <p14:creationId xmlns:p14="http://schemas.microsoft.com/office/powerpoint/2010/main" xmlns="" val="3537187278"/>
       </p:ext>
     </p:extLst>
   </p:cSld>
@@ -664,7 +664,7 @@
           <a:blip r:embed="rId2" cstate="print">
             <a:extLst>
               <a:ext uri="{28A0092B-C50C-407E-A947-70E740481C1C}">
-                <a14:useLocalDpi xmlns="" xmlns:a14="http://schemas.microsoft.com/office/drawing/2010/main" val="0"/>
+                <a14:useLocalDpi xmlns:a14="http://schemas.microsoft.com/office/drawing/2010/main" xmlns="" val="0"/>
               </a:ext>
             </a:extLst>
           </a:blip>
@@ -688,14 +688,14 @@
           <a:effectLst/>
           <a:extLst>
             <a:ext uri="{909E8E84-426E-40DD-AFC4-6F175D3DCCD1}">
-              <a14:hiddenFill xmlns="" xmlns:a14="http://schemas.microsoft.com/office/drawing/2010/main">
+              <a14:hiddenFill xmlns:a14="http://schemas.microsoft.com/office/drawing/2010/main" xmlns="">
                 <a:solidFill>
                   <a:schemeClr val="accent1"/>
                 </a:solidFill>
               </a14:hiddenFill>
             </a:ext>
             <a:ext uri="{91240B29-F687-4F45-9708-019B960494DF}">
-              <a14:hiddenLine xmlns="" xmlns:a14="http://schemas.microsoft.com/office/drawing/2010/main" w="9525">
+              <a14:hiddenLine xmlns:a14="http://schemas.microsoft.com/office/drawing/2010/main" xmlns="" w="9525">
                 <a:solidFill>
                   <a:schemeClr val="tx1"/>
                 </a:solidFill>
@@ -705,7 +705,7 @@
               </a14:hiddenLine>
             </a:ext>
             <a:ext uri="{AF507438-7753-43E0-B8FC-AC1667EBCBE1}">
-              <a14:hiddenEffects xmlns="" xmlns:a14="http://schemas.microsoft.com/office/drawing/2010/main">
+              <a14:hiddenEffects xmlns:a14="http://schemas.microsoft.com/office/drawing/2010/main" xmlns="">
                 <a:effectLst>
                   <a:outerShdw dist="35921" dir="2700000" algn="ctr" rotWithShape="0">
                     <a:schemeClr val="bg2"/>
@@ -846,7 +846,7 @@
     </p:spTree>
     <p:extLst>
       <p:ext uri="{BB962C8B-B14F-4D97-AF65-F5344CB8AC3E}">
-        <p14:creationId xmlns="" xmlns:p14="http://schemas.microsoft.com/office/powerpoint/2010/main" val="2097366919"/>
+        <p14:creationId xmlns:p14="http://schemas.microsoft.com/office/powerpoint/2010/main" xmlns="" val="2097366919"/>
       </p:ext>
     </p:extLst>
   </p:cSld>
@@ -1370,7 +1370,7 @@
     </p:spTree>
     <p:extLst>
       <p:ext uri="{BB962C8B-B14F-4D97-AF65-F5344CB8AC3E}">
-        <p14:creationId xmlns="" xmlns:p14="http://schemas.microsoft.com/office/powerpoint/2010/main" val="3537187278"/>
+        <p14:creationId xmlns:p14="http://schemas.microsoft.com/office/powerpoint/2010/main" xmlns="" val="3537187278"/>
       </p:ext>
     </p:extLst>
   </p:cSld>
@@ -1416,7 +1416,7 @@
           <a:blip r:embed="rId2" cstate="print">
             <a:extLst>
               <a:ext uri="{28A0092B-C50C-407E-A947-70E740481C1C}">
-                <a14:useLocalDpi xmlns="" xmlns:a14="http://schemas.microsoft.com/office/drawing/2010/main" val="0"/>
+                <a14:useLocalDpi xmlns:a14="http://schemas.microsoft.com/office/drawing/2010/main" xmlns="" val="0"/>
               </a:ext>
             </a:extLst>
           </a:blip>
@@ -1440,14 +1440,14 @@
           <a:effectLst/>
           <a:extLst>
             <a:ext uri="{909E8E84-426E-40DD-AFC4-6F175D3DCCD1}">
-              <a14:hiddenFill xmlns="" xmlns:a14="http://schemas.microsoft.com/office/drawing/2010/main">
+              <a14:hiddenFill xmlns:a14="http://schemas.microsoft.com/office/drawing/2010/main" xmlns="">
                 <a:solidFill>
                   <a:schemeClr val="accent1"/>
                 </a:solidFill>
               </a14:hiddenFill>
             </a:ext>
             <a:ext uri="{91240B29-F687-4F45-9708-019B960494DF}">
-              <a14:hiddenLine xmlns="" xmlns:a14="http://schemas.microsoft.com/office/drawing/2010/main" w="9525">
+              <a14:hiddenLine xmlns:a14="http://schemas.microsoft.com/office/drawing/2010/main" xmlns="" w="9525">
                 <a:solidFill>
                   <a:schemeClr val="tx1"/>
                 </a:solidFill>
@@ -1457,7 +1457,7 @@
               </a14:hiddenLine>
             </a:ext>
             <a:ext uri="{AF507438-7753-43E0-B8FC-AC1667EBCBE1}">
-              <a14:hiddenEffects xmlns="" xmlns:a14="http://schemas.microsoft.com/office/drawing/2010/main">
+              <a14:hiddenEffects xmlns:a14="http://schemas.microsoft.com/office/drawing/2010/main" xmlns="">
                 <a:effectLst>
                   <a:outerShdw dist="35921" dir="2700000" algn="ctr" rotWithShape="0">
                     <a:schemeClr val="bg2"/>
@@ -1598,7 +1598,7 @@
     </p:spTree>
     <p:extLst>
       <p:ext uri="{BB962C8B-B14F-4D97-AF65-F5344CB8AC3E}">
-        <p14:creationId xmlns="" xmlns:p14="http://schemas.microsoft.com/office/powerpoint/2010/main" val="2097366919"/>
+        <p14:creationId xmlns:p14="http://schemas.microsoft.com/office/powerpoint/2010/main" xmlns="" val="2097366919"/>
       </p:ext>
     </p:extLst>
   </p:cSld>
@@ -1673,7 +1673,7 @@
     </p:spTree>
     <p:extLst>
       <p:ext uri="{BB962C8B-B14F-4D97-AF65-F5344CB8AC3E}">
-        <p14:creationId xmlns="" xmlns:p14="http://schemas.microsoft.com/office/powerpoint/2010/main" val="779007194"/>
+        <p14:creationId xmlns:p14="http://schemas.microsoft.com/office/powerpoint/2010/main" xmlns="" val="779007194"/>
       </p:ext>
     </p:extLst>
   </p:cSld>
@@ -2271,7 +2271,7 @@
     </p:spTree>
     <p:extLst>
       <p:ext uri="{BB962C8B-B14F-4D97-AF65-F5344CB8AC3E}">
-        <p14:creationId xmlns="" xmlns:p14="http://schemas.microsoft.com/office/powerpoint/2010/main" val="3436223543"/>
+        <p14:creationId xmlns:p14="http://schemas.microsoft.com/office/powerpoint/2010/main" xmlns="" val="3436223543"/>
       </p:ext>
     </p:extLst>
   </p:cSld>
@@ -4561,8 +4561,8 @@
         </p:nvSpPr>
         <p:spPr>
           <a:xfrm>
-            <a:off x="611560" y="1412776"/>
-            <a:ext cx="7848872" cy="1754326"/>
+            <a:off x="395536" y="1412776"/>
+            <a:ext cx="8208912" cy="1754326"/>
           </a:xfrm>
           <a:prstGeom prst="rect">
             <a:avLst/>
@@ -4600,16 +4600,10 @@
               <a:t> </a:t>
             </a:r>
             <a:r>
-              <a:rPr lang="en-US" dirty="0" err="1" smtClean="0">
-                <a:latin typeface="Calibri" pitchFamily="34" charset="0"/>
-              </a:rPr>
-              <a:t>mySQL</a:t>
-            </a:r>
-            <a:r>
-              <a:rPr lang="en-US" dirty="0" smtClean="0">
-                <a:latin typeface="Calibri" pitchFamily="34" charset="0"/>
-              </a:rPr>
-              <a:t>: </a:t>
+              <a:rPr lang="en-US" dirty="0" smtClean="0">
+                <a:latin typeface="Calibri" pitchFamily="34" charset="0"/>
+              </a:rPr>
+              <a:t>SQL Server: </a:t>
             </a:r>
             <a:r>
               <a:rPr lang="ru-RU" dirty="0" smtClean="0">
@@ -4621,19 +4615,31 @@
               <a:rPr lang="en-US" b="1" dirty="0" smtClean="0">
                 <a:latin typeface="Calibri" pitchFamily="34" charset="0"/>
               </a:rPr>
-              <a:t>$ npm install express-</a:t>
+              <a:t>$ npm install </a:t>
             </a:r>
             <a:r>
               <a:rPr lang="en-US" b="1" dirty="0" err="1" smtClean="0">
                 <a:latin typeface="Calibri" pitchFamily="34" charset="0"/>
               </a:rPr>
-              <a:t>mysql</a:t>
+              <a:t>mssql</a:t>
             </a:r>
             <a:r>
               <a:rPr lang="en-US" b="1" dirty="0" smtClean="0">
                 <a:latin typeface="Calibri" pitchFamily="34" charset="0"/>
               </a:rPr>
-              <a:t>-session --save </a:t>
+              <a:t>-session-store </a:t>
+            </a:r>
+            <a:r>
+              <a:rPr lang="en-US" b="1" dirty="0" smtClean="0">
+                <a:latin typeface="Calibri" pitchFamily="34" charset="0"/>
+              </a:rPr>
+              <a:t>--</a:t>
+            </a:r>
+            <a:r>
+              <a:rPr lang="en-US" b="1" dirty="0" smtClean="0">
+                <a:latin typeface="Calibri" pitchFamily="34" charset="0"/>
+              </a:rPr>
+              <a:t>save </a:t>
             </a:r>
           </a:p>
           <a:p>
@@ -4675,8 +4681,8 @@
         </p:nvSpPr>
         <p:spPr>
           <a:xfrm>
-            <a:off x="2411760" y="2780928"/>
-            <a:ext cx="4680520" cy="3693319"/>
+            <a:off x="467544" y="2924944"/>
+            <a:ext cx="7992888" cy="3416320"/>
           </a:xfrm>
           <a:prstGeom prst="rect">
             <a:avLst/>
@@ -4703,206 +4709,160 @@
           <a:lstStyle/>
           <a:p>
             <a:r>
-              <a:rPr lang="en-US" dirty="0" err="1" smtClean="0">
-                <a:latin typeface="Calibri" pitchFamily="34" charset="0"/>
-              </a:rPr>
+              <a:rPr lang="en-US" dirty="0" err="1" smtClean="0"/>
               <a:t>var</a:t>
             </a:r>
             <a:r>
-              <a:rPr lang="en-US" dirty="0" smtClean="0">
-                <a:latin typeface="Calibri" pitchFamily="34" charset="0"/>
-              </a:rPr>
-              <a:t> session = require('express-session');</a:t>
-            </a:r>
-          </a:p>
-          <a:p>
-            <a:r>
-              <a:rPr lang="en-US" dirty="0" err="1" smtClean="0">
-                <a:latin typeface="Calibri" pitchFamily="34" charset="0"/>
-              </a:rPr>
+              <a:rPr lang="en-US" dirty="0" smtClean="0"/>
+              <a:t> session = require('express-session') </a:t>
+            </a:r>
+            <a:endParaRPr lang="en-US" dirty="0" smtClean="0"/>
+          </a:p>
+          <a:p>
+            <a:endParaRPr lang="en-US" dirty="0" smtClean="0"/>
+          </a:p>
+          <a:p>
+            <a:r>
+              <a:rPr lang="en-US" dirty="0" err="1" smtClean="0"/>
               <a:t>var</a:t>
             </a:r>
             <a:r>
-              <a:rPr lang="en-US" dirty="0" smtClean="0">
-                <a:latin typeface="Calibri" pitchFamily="34" charset="0"/>
-              </a:rPr>
+              <a:rPr lang="en-US" dirty="0" smtClean="0"/>
               <a:t> </a:t>
             </a:r>
             <a:r>
-              <a:rPr lang="en-US" dirty="0" err="1" smtClean="0">
-                <a:latin typeface="Calibri" pitchFamily="34" charset="0"/>
-              </a:rPr>
-              <a:t>MySQLStore</a:t>
-            </a:r>
-            <a:r>
-              <a:rPr lang="en-US" dirty="0" smtClean="0">
-                <a:latin typeface="Calibri" pitchFamily="34" charset="0"/>
-              </a:rPr>
-              <a:t> = require('express-</a:t>
-            </a:r>
-            <a:r>
-              <a:rPr lang="en-US" dirty="0" err="1" smtClean="0">
-                <a:latin typeface="Calibri" pitchFamily="34" charset="0"/>
-              </a:rPr>
-              <a:t>mysql</a:t>
-            </a:r>
-            <a:r>
-              <a:rPr lang="en-US" dirty="0" smtClean="0">
-                <a:latin typeface="Calibri" pitchFamily="34" charset="0"/>
-              </a:rPr>
-              <a:t>-session')(session);</a:t>
-            </a:r>
-          </a:p>
-          <a:p>
-            <a:r>
-              <a:rPr lang="uk-UA" dirty="0" smtClean="0">
-                <a:latin typeface="Calibri" pitchFamily="34" charset="0"/>
-              </a:rPr>
+              <a:rPr lang="en-US" dirty="0" err="1" smtClean="0"/>
+              <a:t>MssqlStore</a:t>
+            </a:r>
+            <a:r>
+              <a:rPr lang="en-US" dirty="0" smtClean="0"/>
+              <a:t> = require('</a:t>
+            </a:r>
+            <a:r>
+              <a:rPr lang="en-US" dirty="0" err="1" smtClean="0"/>
+              <a:t>mssql</a:t>
+            </a:r>
+            <a:r>
+              <a:rPr lang="en-US" dirty="0" smtClean="0"/>
+              <a:t>-session-store')(session); </a:t>
+            </a:r>
+            <a:r>
+              <a:rPr lang="en-US" dirty="0" smtClean="0"/>
               <a:t> </a:t>
             </a:r>
           </a:p>
           <a:p>
-            <a:r>
-              <a:rPr lang="en-US" dirty="0" err="1" smtClean="0">
-                <a:latin typeface="Calibri" pitchFamily="34" charset="0"/>
-              </a:rPr>
-              <a:t>var</a:t>
-            </a:r>
-            <a:r>
-              <a:rPr lang="en-US" dirty="0" smtClean="0">
-                <a:latin typeface="Calibri" pitchFamily="34" charset="0"/>
-              </a:rPr>
-              <a:t> options = {</a:t>
-            </a:r>
-          </a:p>
-          <a:p>
-            <a:r>
-              <a:rPr lang="en-US" dirty="0" smtClean="0">
-                <a:latin typeface="Calibri" pitchFamily="34" charset="0"/>
-              </a:rPr>
-              <a:t>    host: '</a:t>
-            </a:r>
-            <a:r>
-              <a:rPr lang="en-US" dirty="0" err="1" smtClean="0">
-                <a:latin typeface="Calibri" pitchFamily="34" charset="0"/>
-              </a:rPr>
-              <a:t>localhost</a:t>
-            </a:r>
-            <a:r>
-              <a:rPr lang="en-US" dirty="0" smtClean="0">
-                <a:latin typeface="Calibri" pitchFamily="34" charset="0"/>
-              </a:rPr>
+            <a:endParaRPr lang="en-US" dirty="0" smtClean="0"/>
+          </a:p>
+          <a:p>
+            <a:r>
+              <a:rPr lang="en-US" dirty="0" err="1" smtClean="0"/>
+              <a:t>app.use</a:t>
+            </a:r>
+            <a:r>
+              <a:rPr lang="en-US" dirty="0" smtClean="0"/>
+              <a:t>(</a:t>
+            </a:r>
+          </a:p>
+          <a:p>
+            <a:r>
+              <a:rPr lang="en-US" dirty="0" smtClean="0"/>
+              <a:t>	session</a:t>
+            </a:r>
+            <a:r>
+              <a:rPr lang="en-US" dirty="0" smtClean="0"/>
+              <a:t>({ </a:t>
+            </a:r>
+            <a:endParaRPr lang="en-US" dirty="0" smtClean="0"/>
+          </a:p>
+          <a:p>
+            <a:pPr lvl="2"/>
+            <a:r>
+              <a:rPr lang="en-US" dirty="0" smtClean="0"/>
+              <a:t>	</a:t>
+            </a:r>
+            <a:r>
+              <a:rPr lang="en-US" dirty="0" smtClean="0"/>
+              <a:t>secret</a:t>
+            </a:r>
+            <a:r>
+              <a:rPr lang="en-US" dirty="0" smtClean="0"/>
+              <a:t>: 'keyboard cat</a:t>
+            </a:r>
+            <a:r>
+              <a:rPr lang="en-US" dirty="0" smtClean="0"/>
               <a:t>',</a:t>
             </a:r>
           </a:p>
           <a:p>
-            <a:r>
-              <a:rPr lang="en-US" dirty="0" smtClean="0">
-                <a:latin typeface="Calibri" pitchFamily="34" charset="0"/>
-              </a:rPr>
-              <a:t>    port: 3306,</a:t>
-            </a:r>
-          </a:p>
-          <a:p>
-            <a:r>
-              <a:rPr lang="en-US" dirty="0" smtClean="0">
-                <a:latin typeface="Calibri" pitchFamily="34" charset="0"/>
-              </a:rPr>
-              <a:t>    user: '</a:t>
-            </a:r>
-            <a:r>
-              <a:rPr lang="en-US" dirty="0" err="1" smtClean="0">
-                <a:latin typeface="Calibri" pitchFamily="34" charset="0"/>
-              </a:rPr>
-              <a:t>session_test</a:t>
-            </a:r>
-            <a:r>
-              <a:rPr lang="en-US" dirty="0" smtClean="0">
-                <a:latin typeface="Calibri" pitchFamily="34" charset="0"/>
-              </a:rPr>
-              <a:t>',</a:t>
-            </a:r>
-          </a:p>
-          <a:p>
-            <a:r>
-              <a:rPr lang="en-US" dirty="0" smtClean="0">
-                <a:latin typeface="Calibri" pitchFamily="34" charset="0"/>
-              </a:rPr>
-              <a:t>    password: 'password',</a:t>
-            </a:r>
-          </a:p>
-          <a:p>
-            <a:r>
-              <a:rPr lang="en-US" dirty="0" smtClean="0">
-                <a:latin typeface="Calibri" pitchFamily="34" charset="0"/>
-              </a:rPr>
-              <a:t>    database: '</a:t>
-            </a:r>
-            <a:r>
-              <a:rPr lang="en-US" dirty="0" err="1" smtClean="0">
-                <a:latin typeface="Calibri" pitchFamily="34" charset="0"/>
-              </a:rPr>
-              <a:t>session_test</a:t>
-            </a:r>
-            <a:r>
-              <a:rPr lang="en-US" dirty="0" smtClean="0">
-                <a:latin typeface="Calibri" pitchFamily="34" charset="0"/>
-              </a:rPr>
-              <a:t>'</a:t>
-            </a:r>
-          </a:p>
-          <a:p>
-            <a:r>
-              <a:rPr lang="uk-UA" dirty="0" smtClean="0">
-                <a:latin typeface="Calibri" pitchFamily="34" charset="0"/>
-              </a:rPr>
-              <a:t>};</a:t>
-            </a:r>
-          </a:p>
-          <a:p>
-            <a:r>
-              <a:rPr lang="uk-UA" dirty="0" smtClean="0">
-                <a:latin typeface="Calibri" pitchFamily="34" charset="0"/>
-              </a:rPr>
+            <a:pPr lvl="2"/>
+            <a:r>
+              <a:rPr lang="en-US" dirty="0" smtClean="0"/>
+              <a:t>	</a:t>
+            </a:r>
+            <a:r>
+              <a:rPr lang="en-US" dirty="0" smtClean="0"/>
               <a:t> </a:t>
             </a:r>
-          </a:p>
-          <a:p>
-            <a:r>
-              <a:rPr lang="en-US" dirty="0" err="1" smtClean="0">
-                <a:latin typeface="Calibri" pitchFamily="34" charset="0"/>
-              </a:rPr>
-              <a:t>var</a:t>
-            </a:r>
-            <a:r>
-              <a:rPr lang="en-US" dirty="0" smtClean="0">
-                <a:latin typeface="Calibri" pitchFamily="34" charset="0"/>
-              </a:rPr>
-              <a:t> </a:t>
-            </a:r>
-            <a:r>
-              <a:rPr lang="en-US" dirty="0" err="1" smtClean="0">
-                <a:latin typeface="Calibri" pitchFamily="34" charset="0"/>
-              </a:rPr>
-              <a:t>sessionStore</a:t>
-            </a:r>
-            <a:r>
-              <a:rPr lang="en-US" dirty="0" smtClean="0">
-                <a:latin typeface="Calibri" pitchFamily="34" charset="0"/>
-              </a:rPr>
-              <a:t> = new </a:t>
-            </a:r>
-            <a:r>
-              <a:rPr lang="en-US" dirty="0" err="1" smtClean="0">
-                <a:latin typeface="Calibri" pitchFamily="34" charset="0"/>
-              </a:rPr>
-              <a:t>MySQLStore</a:t>
-            </a:r>
-            <a:r>
-              <a:rPr lang="en-US" dirty="0" smtClean="0">
-                <a:latin typeface="Calibri" pitchFamily="34" charset="0"/>
-              </a:rPr>
-              <a:t>(options);</a:t>
+            <a:r>
+              <a:rPr lang="en-US" dirty="0" smtClean="0"/>
+              <a:t>resave: false, </a:t>
+            </a:r>
+            <a:endParaRPr lang="en-US" dirty="0" smtClean="0"/>
+          </a:p>
+          <a:p>
+            <a:pPr lvl="2"/>
+            <a:r>
+              <a:rPr lang="en-US" dirty="0" smtClean="0"/>
+              <a:t>	</a:t>
+            </a:r>
+            <a:r>
+              <a:rPr lang="en-US" dirty="0" err="1" smtClean="0"/>
+              <a:t>saveUninitialized</a:t>
+            </a:r>
+            <a:r>
+              <a:rPr lang="en-US" dirty="0" smtClean="0"/>
+              <a:t>: false, </a:t>
+            </a:r>
+            <a:endParaRPr lang="en-US" dirty="0" smtClean="0"/>
+          </a:p>
+          <a:p>
+            <a:pPr lvl="2"/>
+            <a:r>
+              <a:rPr lang="en-US" dirty="0" smtClean="0"/>
+              <a:t>	</a:t>
+            </a:r>
+            <a:r>
+              <a:rPr lang="en-US" dirty="0" smtClean="0"/>
+              <a:t>store</a:t>
+            </a:r>
+            <a:r>
+              <a:rPr lang="en-US" dirty="0" smtClean="0"/>
+              <a:t>: new </a:t>
+            </a:r>
+            <a:r>
+              <a:rPr lang="en-US" dirty="0" err="1" smtClean="0"/>
+              <a:t>MssqlStore</a:t>
+            </a:r>
+            <a:r>
+              <a:rPr lang="en-US" dirty="0" smtClean="0"/>
+              <a:t>(options)</a:t>
+            </a:r>
+          </a:p>
+          <a:p>
+            <a:r>
+              <a:rPr lang="en-US" dirty="0" smtClean="0"/>
+              <a:t>	</a:t>
+            </a:r>
+            <a:r>
+              <a:rPr lang="en-US" dirty="0" smtClean="0"/>
+              <a:t>})</a:t>
+            </a:r>
+          </a:p>
+          <a:p>
+            <a:r>
+              <a:rPr lang="en-US" dirty="0" smtClean="0"/>
+              <a:t>);</a:t>
             </a:r>
             <a:endParaRPr lang="uk-UA" dirty="0">
               <a:latin typeface="Calibri" pitchFamily="34" charset="0"/>

--- a/lesson_007/Presentation/sessions_cookies.pptx
+++ b/lesson_007/Presentation/sessions_cookies.pptx
@@ -4,6 +4,9 @@
   <p:sldMasterIdLst>
     <p:sldMasterId id="2147483662" r:id="rId1"/>
   </p:sldMasterIdLst>
+  <p:notesMasterIdLst>
+    <p:notesMasterId r:id="rId7"/>
+  </p:notesMasterIdLst>
   <p:sldIdLst>
     <p:sldId id="257" r:id="rId2"/>
     <p:sldId id="259" r:id="rId3"/>
@@ -109,6 +112,434 @@
     </a:lvl9pPr>
   </p:defaultTextStyle>
 </p:presentation>
+</file>
+
+<file path=ppt/notesMasters/notesMaster1.xml><?xml version="1.0" encoding="utf-8"?>
+<p:notesMaster xmlns:a="http://schemas.openxmlformats.org/drawingml/2006/main" xmlns:r="http://schemas.openxmlformats.org/officeDocument/2006/relationships" xmlns:p="http://schemas.openxmlformats.org/presentationml/2006/main">
+  <p:cSld>
+    <p:bg>
+      <p:bgRef idx="1001">
+        <a:schemeClr val="bg1"/>
+      </p:bgRef>
+    </p:bg>
+    <p:spTree>
+      <p:nvGrpSpPr>
+        <p:cNvPr id="1" name=""/>
+        <p:cNvGrpSpPr/>
+        <p:nvPr/>
+      </p:nvGrpSpPr>
+      <p:grpSpPr>
+        <a:xfrm>
+          <a:off x="0" y="0"/>
+          <a:ext cx="0" cy="0"/>
+          <a:chOff x="0" y="0"/>
+          <a:chExt cx="0" cy="0"/>
+        </a:xfrm>
+      </p:grpSpPr>
+      <p:sp>
+        <p:nvSpPr>
+          <p:cNvPr id="2" name="Верхний колонтитул 1"/>
+          <p:cNvSpPr>
+            <a:spLocks noGrp="1"/>
+          </p:cNvSpPr>
+          <p:nvPr>
+            <p:ph type="hdr" sz="quarter"/>
+          </p:nvPr>
+        </p:nvSpPr>
+        <p:spPr>
+          <a:xfrm>
+            <a:off x="0" y="0"/>
+            <a:ext cx="2971800" cy="457200"/>
+          </a:xfrm>
+          <a:prstGeom prst="rect">
+            <a:avLst/>
+          </a:prstGeom>
+        </p:spPr>
+        <p:txBody>
+          <a:bodyPr vert="horz" lIns="91440" tIns="45720" rIns="91440" bIns="45720" rtlCol="0"/>
+          <a:lstStyle>
+            <a:lvl1pPr algn="l">
+              <a:defRPr sz="1200"/>
+            </a:lvl1pPr>
+          </a:lstStyle>
+          <a:p>
+            <a:endParaRPr lang="uk-UA"/>
+          </a:p>
+        </p:txBody>
+      </p:sp>
+      <p:sp>
+        <p:nvSpPr>
+          <p:cNvPr id="3" name="Дата 2"/>
+          <p:cNvSpPr>
+            <a:spLocks noGrp="1"/>
+          </p:cNvSpPr>
+          <p:nvPr>
+            <p:ph type="dt" idx="1"/>
+          </p:nvPr>
+        </p:nvSpPr>
+        <p:spPr>
+          <a:xfrm>
+            <a:off x="3884613" y="0"/>
+            <a:ext cx="2971800" cy="457200"/>
+          </a:xfrm>
+          <a:prstGeom prst="rect">
+            <a:avLst/>
+          </a:prstGeom>
+        </p:spPr>
+        <p:txBody>
+          <a:bodyPr vert="horz" lIns="91440" tIns="45720" rIns="91440" bIns="45720" rtlCol="0"/>
+          <a:lstStyle>
+            <a:lvl1pPr algn="r">
+              <a:defRPr sz="1200"/>
+            </a:lvl1pPr>
+          </a:lstStyle>
+          <a:p>
+            <a:fld id="{3CBFBD05-94A8-4765-B259-6BE69CFB4E4D}" type="datetimeFigureOut">
+              <a:rPr lang="uk-UA" smtClean="0"/>
+              <a:t>30.10.2016</a:t>
+            </a:fld>
+            <a:endParaRPr lang="uk-UA"/>
+          </a:p>
+        </p:txBody>
+      </p:sp>
+      <p:sp>
+        <p:nvSpPr>
+          <p:cNvPr id="4" name="Образ слайда 3"/>
+          <p:cNvSpPr>
+            <a:spLocks noGrp="1" noRot="1" noChangeAspect="1"/>
+          </p:cNvSpPr>
+          <p:nvPr>
+            <p:ph type="sldImg" idx="2"/>
+          </p:nvPr>
+        </p:nvSpPr>
+        <p:spPr>
+          <a:xfrm>
+            <a:off x="1143000" y="685800"/>
+            <a:ext cx="4572000" cy="3429000"/>
+          </a:xfrm>
+          <a:prstGeom prst="rect">
+            <a:avLst/>
+          </a:prstGeom>
+          <a:noFill/>
+          <a:ln w="12700">
+            <a:solidFill>
+              <a:prstClr val="black"/>
+            </a:solidFill>
+          </a:ln>
+        </p:spPr>
+        <p:txBody>
+          <a:bodyPr vert="horz" lIns="91440" tIns="45720" rIns="91440" bIns="45720" rtlCol="0" anchor="ctr"/>
+          <a:lstStyle/>
+          <a:p>
+            <a:endParaRPr lang="uk-UA"/>
+          </a:p>
+        </p:txBody>
+      </p:sp>
+      <p:sp>
+        <p:nvSpPr>
+          <p:cNvPr id="5" name="Заметки 4"/>
+          <p:cNvSpPr>
+            <a:spLocks noGrp="1"/>
+          </p:cNvSpPr>
+          <p:nvPr>
+            <p:ph type="body" sz="quarter" idx="3"/>
+          </p:nvPr>
+        </p:nvSpPr>
+        <p:spPr>
+          <a:xfrm>
+            <a:off x="685800" y="4343400"/>
+            <a:ext cx="5486400" cy="4114800"/>
+          </a:xfrm>
+          <a:prstGeom prst="rect">
+            <a:avLst/>
+          </a:prstGeom>
+        </p:spPr>
+        <p:txBody>
+          <a:bodyPr vert="horz" lIns="91440" tIns="45720" rIns="91440" bIns="45720" rtlCol="0">
+            <a:normAutofit/>
+          </a:bodyPr>
+          <a:lstStyle/>
+          <a:p>
+            <a:pPr lvl="0"/>
+            <a:r>
+              <a:rPr lang="ru-RU" smtClean="0"/>
+              <a:t>Образец текста</a:t>
+            </a:r>
+          </a:p>
+          <a:p>
+            <a:pPr lvl="1"/>
+            <a:r>
+              <a:rPr lang="ru-RU" smtClean="0"/>
+              <a:t>Второй уровень</a:t>
+            </a:r>
+          </a:p>
+          <a:p>
+            <a:pPr lvl="2"/>
+            <a:r>
+              <a:rPr lang="ru-RU" smtClean="0"/>
+              <a:t>Третий уровень</a:t>
+            </a:r>
+          </a:p>
+          <a:p>
+            <a:pPr lvl="3"/>
+            <a:r>
+              <a:rPr lang="ru-RU" smtClean="0"/>
+              <a:t>Четвертый уровень</a:t>
+            </a:r>
+          </a:p>
+          <a:p>
+            <a:pPr lvl="4"/>
+            <a:r>
+              <a:rPr lang="ru-RU" smtClean="0"/>
+              <a:t>Пятый уровень</a:t>
+            </a:r>
+            <a:endParaRPr lang="uk-UA"/>
+          </a:p>
+        </p:txBody>
+      </p:sp>
+      <p:sp>
+        <p:nvSpPr>
+          <p:cNvPr id="6" name="Нижний колонтитул 5"/>
+          <p:cNvSpPr>
+            <a:spLocks noGrp="1"/>
+          </p:cNvSpPr>
+          <p:nvPr>
+            <p:ph type="ftr" sz="quarter" idx="4"/>
+          </p:nvPr>
+        </p:nvSpPr>
+        <p:spPr>
+          <a:xfrm>
+            <a:off x="0" y="8685213"/>
+            <a:ext cx="2971800" cy="457200"/>
+          </a:xfrm>
+          <a:prstGeom prst="rect">
+            <a:avLst/>
+          </a:prstGeom>
+        </p:spPr>
+        <p:txBody>
+          <a:bodyPr vert="horz" lIns="91440" tIns="45720" rIns="91440" bIns="45720" rtlCol="0" anchor="b"/>
+          <a:lstStyle>
+            <a:lvl1pPr algn="l">
+              <a:defRPr sz="1200"/>
+            </a:lvl1pPr>
+          </a:lstStyle>
+          <a:p>
+            <a:endParaRPr lang="uk-UA"/>
+          </a:p>
+        </p:txBody>
+      </p:sp>
+      <p:sp>
+        <p:nvSpPr>
+          <p:cNvPr id="7" name="Номер слайда 6"/>
+          <p:cNvSpPr>
+            <a:spLocks noGrp="1"/>
+          </p:cNvSpPr>
+          <p:nvPr>
+            <p:ph type="sldNum" sz="quarter" idx="5"/>
+          </p:nvPr>
+        </p:nvSpPr>
+        <p:spPr>
+          <a:xfrm>
+            <a:off x="3884613" y="8685213"/>
+            <a:ext cx="2971800" cy="457200"/>
+          </a:xfrm>
+          <a:prstGeom prst="rect">
+            <a:avLst/>
+          </a:prstGeom>
+        </p:spPr>
+        <p:txBody>
+          <a:bodyPr vert="horz" lIns="91440" tIns="45720" rIns="91440" bIns="45720" rtlCol="0" anchor="b"/>
+          <a:lstStyle>
+            <a:lvl1pPr algn="r">
+              <a:defRPr sz="1200"/>
+            </a:lvl1pPr>
+          </a:lstStyle>
+          <a:p>
+            <a:fld id="{1F0ED9E9-0EEC-4D68-A2D3-488DA52A9877}" type="slidenum">
+              <a:rPr lang="uk-UA" smtClean="0"/>
+              <a:t>‹#›</a:t>
+            </a:fld>
+            <a:endParaRPr lang="uk-UA"/>
+          </a:p>
+        </p:txBody>
+      </p:sp>
+    </p:spTree>
+  </p:cSld>
+  <p:clrMap bg1="lt1" tx1="dk1" bg2="lt2" tx2="dk2" accent1="accent1" accent2="accent2" accent3="accent3" accent4="accent4" accent5="accent5" accent6="accent6" hlink="hlink" folHlink="folHlink"/>
+  <p:notesStyle>
+    <a:lvl1pPr marL="0" algn="l" defTabSz="914400" rtl="0" eaLnBrk="1" latinLnBrk="0" hangingPunct="1">
+      <a:defRPr sz="1200" kern="1200">
+        <a:solidFill>
+          <a:schemeClr val="tx1"/>
+        </a:solidFill>
+        <a:latin typeface="+mn-lt"/>
+        <a:ea typeface="+mn-ea"/>
+        <a:cs typeface="+mn-cs"/>
+      </a:defRPr>
+    </a:lvl1pPr>
+    <a:lvl2pPr marL="457200" algn="l" defTabSz="914400" rtl="0" eaLnBrk="1" latinLnBrk="0" hangingPunct="1">
+      <a:defRPr sz="1200" kern="1200">
+        <a:solidFill>
+          <a:schemeClr val="tx1"/>
+        </a:solidFill>
+        <a:latin typeface="+mn-lt"/>
+        <a:ea typeface="+mn-ea"/>
+        <a:cs typeface="+mn-cs"/>
+      </a:defRPr>
+    </a:lvl2pPr>
+    <a:lvl3pPr marL="914400" algn="l" defTabSz="914400" rtl="0" eaLnBrk="1" latinLnBrk="0" hangingPunct="1">
+      <a:defRPr sz="1200" kern="1200">
+        <a:solidFill>
+          <a:schemeClr val="tx1"/>
+        </a:solidFill>
+        <a:latin typeface="+mn-lt"/>
+        <a:ea typeface="+mn-ea"/>
+        <a:cs typeface="+mn-cs"/>
+      </a:defRPr>
+    </a:lvl3pPr>
+    <a:lvl4pPr marL="1371600" algn="l" defTabSz="914400" rtl="0" eaLnBrk="1" latinLnBrk="0" hangingPunct="1">
+      <a:defRPr sz="1200" kern="1200">
+        <a:solidFill>
+          <a:schemeClr val="tx1"/>
+        </a:solidFill>
+        <a:latin typeface="+mn-lt"/>
+        <a:ea typeface="+mn-ea"/>
+        <a:cs typeface="+mn-cs"/>
+      </a:defRPr>
+    </a:lvl4pPr>
+    <a:lvl5pPr marL="1828800" algn="l" defTabSz="914400" rtl="0" eaLnBrk="1" latinLnBrk="0" hangingPunct="1">
+      <a:defRPr sz="1200" kern="1200">
+        <a:solidFill>
+          <a:schemeClr val="tx1"/>
+        </a:solidFill>
+        <a:latin typeface="+mn-lt"/>
+        <a:ea typeface="+mn-ea"/>
+        <a:cs typeface="+mn-cs"/>
+      </a:defRPr>
+    </a:lvl5pPr>
+    <a:lvl6pPr marL="2286000" algn="l" defTabSz="914400" rtl="0" eaLnBrk="1" latinLnBrk="0" hangingPunct="1">
+      <a:defRPr sz="1200" kern="1200">
+        <a:solidFill>
+          <a:schemeClr val="tx1"/>
+        </a:solidFill>
+        <a:latin typeface="+mn-lt"/>
+        <a:ea typeface="+mn-ea"/>
+        <a:cs typeface="+mn-cs"/>
+      </a:defRPr>
+    </a:lvl6pPr>
+    <a:lvl7pPr marL="2743200" algn="l" defTabSz="914400" rtl="0" eaLnBrk="1" latinLnBrk="0" hangingPunct="1">
+      <a:defRPr sz="1200" kern="1200">
+        <a:solidFill>
+          <a:schemeClr val="tx1"/>
+        </a:solidFill>
+        <a:latin typeface="+mn-lt"/>
+        <a:ea typeface="+mn-ea"/>
+        <a:cs typeface="+mn-cs"/>
+      </a:defRPr>
+    </a:lvl7pPr>
+    <a:lvl8pPr marL="3200400" algn="l" defTabSz="914400" rtl="0" eaLnBrk="1" latinLnBrk="0" hangingPunct="1">
+      <a:defRPr sz="1200" kern="1200">
+        <a:solidFill>
+          <a:schemeClr val="tx1"/>
+        </a:solidFill>
+        <a:latin typeface="+mn-lt"/>
+        <a:ea typeface="+mn-ea"/>
+        <a:cs typeface="+mn-cs"/>
+      </a:defRPr>
+    </a:lvl8pPr>
+    <a:lvl9pPr marL="3657600" algn="l" defTabSz="914400" rtl="0" eaLnBrk="1" latinLnBrk="0" hangingPunct="1">
+      <a:defRPr sz="1200" kern="1200">
+        <a:solidFill>
+          <a:schemeClr val="tx1"/>
+        </a:solidFill>
+        <a:latin typeface="+mn-lt"/>
+        <a:ea typeface="+mn-ea"/>
+        <a:cs typeface="+mn-cs"/>
+      </a:defRPr>
+    </a:lvl9pPr>
+  </p:notesStyle>
+</p:notesMaster>
+</file>
+
+<file path=ppt/notesSlides/notesSlide1.xml><?xml version="1.0" encoding="utf-8"?>
+<p:notes xmlns:a="http://schemas.openxmlformats.org/drawingml/2006/main" xmlns:r="http://schemas.openxmlformats.org/officeDocument/2006/relationships" xmlns:p="http://schemas.openxmlformats.org/presentationml/2006/main">
+  <p:cSld>
+    <p:spTree>
+      <p:nvGrpSpPr>
+        <p:cNvPr id="1" name=""/>
+        <p:cNvGrpSpPr/>
+        <p:nvPr/>
+      </p:nvGrpSpPr>
+      <p:grpSpPr>
+        <a:xfrm>
+          <a:off x="0" y="0"/>
+          <a:ext cx="0" cy="0"/>
+          <a:chOff x="0" y="0"/>
+          <a:chExt cx="0" cy="0"/>
+        </a:xfrm>
+      </p:grpSpPr>
+      <p:sp>
+        <p:nvSpPr>
+          <p:cNvPr id="2" name="Образ слайда 1"/>
+          <p:cNvSpPr>
+            <a:spLocks noGrp="1" noRot="1" noChangeAspect="1"/>
+          </p:cNvSpPr>
+          <p:nvPr>
+            <p:ph type="sldImg"/>
+          </p:nvPr>
+        </p:nvSpPr>
+        <p:spPr/>
+      </p:sp>
+      <p:sp>
+        <p:nvSpPr>
+          <p:cNvPr id="3" name="Заметки 2"/>
+          <p:cNvSpPr>
+            <a:spLocks noGrp="1"/>
+          </p:cNvSpPr>
+          <p:nvPr>
+            <p:ph type="body" idx="1"/>
+          </p:nvPr>
+        </p:nvSpPr>
+        <p:spPr/>
+        <p:txBody>
+          <a:bodyPr>
+            <a:normAutofit/>
+          </a:bodyPr>
+          <a:lstStyle/>
+          <a:p>
+            <a:endParaRPr lang="uk-UA" dirty="0"/>
+          </a:p>
+        </p:txBody>
+      </p:sp>
+      <p:sp>
+        <p:nvSpPr>
+          <p:cNvPr id="4" name="Номер слайда 3"/>
+          <p:cNvSpPr>
+            <a:spLocks noGrp="1"/>
+          </p:cNvSpPr>
+          <p:nvPr>
+            <p:ph type="sldNum" sz="quarter" idx="10"/>
+          </p:nvPr>
+        </p:nvSpPr>
+        <p:spPr/>
+        <p:txBody>
+          <a:bodyPr/>
+          <a:lstStyle/>
+          <a:p>
+            <a:fld id="{1F0ED9E9-0EEC-4D68-A2D3-488DA52A9877}" type="slidenum">
+              <a:rPr lang="uk-UA" smtClean="0"/>
+              <a:t>5</a:t>
+            </a:fld>
+            <a:endParaRPr lang="uk-UA"/>
+          </a:p>
+        </p:txBody>
+      </p:sp>
+    </p:spTree>
+  </p:cSld>
+  <p:clrMapOvr>
+    <a:masterClrMapping/>
+  </p:clrMapOvr>
+</p:notes>
 </file>
 
 <file path=ppt/slideLayouts/slideLayout1.xml><?xml version="1.0" encoding="utf-8"?>
@@ -618,7 +1049,7 @@
     </p:spTree>
     <p:extLst>
       <p:ext uri="{BB962C8B-B14F-4D97-AF65-F5344CB8AC3E}">
-        <p14:creationId xmlns:p14="http://schemas.microsoft.com/office/powerpoint/2010/main" xmlns="" val="3537187278"/>
+        <p14:creationId xmlns="" xmlns:p14="http://schemas.microsoft.com/office/powerpoint/2010/main" val="3537187278"/>
       </p:ext>
     </p:extLst>
   </p:cSld>
@@ -664,7 +1095,7 @@
           <a:blip r:embed="rId2" cstate="print">
             <a:extLst>
               <a:ext uri="{28A0092B-C50C-407E-A947-70E740481C1C}">
-                <a14:useLocalDpi xmlns:a14="http://schemas.microsoft.com/office/drawing/2010/main" xmlns="" val="0"/>
+                <a14:useLocalDpi xmlns="" xmlns:a14="http://schemas.microsoft.com/office/drawing/2010/main" val="0"/>
               </a:ext>
             </a:extLst>
           </a:blip>
@@ -688,14 +1119,14 @@
           <a:effectLst/>
           <a:extLst>
             <a:ext uri="{909E8E84-426E-40DD-AFC4-6F175D3DCCD1}">
-              <a14:hiddenFill xmlns:a14="http://schemas.microsoft.com/office/drawing/2010/main" xmlns="">
+              <a14:hiddenFill xmlns="" xmlns:a14="http://schemas.microsoft.com/office/drawing/2010/main">
                 <a:solidFill>
                   <a:schemeClr val="accent1"/>
                 </a:solidFill>
               </a14:hiddenFill>
             </a:ext>
             <a:ext uri="{91240B29-F687-4F45-9708-019B960494DF}">
-              <a14:hiddenLine xmlns:a14="http://schemas.microsoft.com/office/drawing/2010/main" xmlns="" w="9525">
+              <a14:hiddenLine xmlns="" xmlns:a14="http://schemas.microsoft.com/office/drawing/2010/main" w="9525">
                 <a:solidFill>
                   <a:schemeClr val="tx1"/>
                 </a:solidFill>
@@ -705,7 +1136,7 @@
               </a14:hiddenLine>
             </a:ext>
             <a:ext uri="{AF507438-7753-43E0-B8FC-AC1667EBCBE1}">
-              <a14:hiddenEffects xmlns:a14="http://schemas.microsoft.com/office/drawing/2010/main" xmlns="">
+              <a14:hiddenEffects xmlns="" xmlns:a14="http://schemas.microsoft.com/office/drawing/2010/main">
                 <a:effectLst>
                   <a:outerShdw dist="35921" dir="2700000" algn="ctr" rotWithShape="0">
                     <a:schemeClr val="bg2"/>
@@ -846,7 +1277,7 @@
     </p:spTree>
     <p:extLst>
       <p:ext uri="{BB962C8B-B14F-4D97-AF65-F5344CB8AC3E}">
-        <p14:creationId xmlns:p14="http://schemas.microsoft.com/office/powerpoint/2010/main" xmlns="" val="2097366919"/>
+        <p14:creationId xmlns="" xmlns:p14="http://schemas.microsoft.com/office/powerpoint/2010/main" val="2097366919"/>
       </p:ext>
     </p:extLst>
   </p:cSld>
@@ -1370,7 +1801,7 @@
     </p:spTree>
     <p:extLst>
       <p:ext uri="{BB962C8B-B14F-4D97-AF65-F5344CB8AC3E}">
-        <p14:creationId xmlns:p14="http://schemas.microsoft.com/office/powerpoint/2010/main" xmlns="" val="3537187278"/>
+        <p14:creationId xmlns="" xmlns:p14="http://schemas.microsoft.com/office/powerpoint/2010/main" val="3537187278"/>
       </p:ext>
     </p:extLst>
   </p:cSld>
@@ -1416,7 +1847,7 @@
           <a:blip r:embed="rId2" cstate="print">
             <a:extLst>
               <a:ext uri="{28A0092B-C50C-407E-A947-70E740481C1C}">
-                <a14:useLocalDpi xmlns:a14="http://schemas.microsoft.com/office/drawing/2010/main" xmlns="" val="0"/>
+                <a14:useLocalDpi xmlns="" xmlns:a14="http://schemas.microsoft.com/office/drawing/2010/main" val="0"/>
               </a:ext>
             </a:extLst>
           </a:blip>
@@ -1440,14 +1871,14 @@
           <a:effectLst/>
           <a:extLst>
             <a:ext uri="{909E8E84-426E-40DD-AFC4-6F175D3DCCD1}">
-              <a14:hiddenFill xmlns:a14="http://schemas.microsoft.com/office/drawing/2010/main" xmlns="">
+              <a14:hiddenFill xmlns="" xmlns:a14="http://schemas.microsoft.com/office/drawing/2010/main">
                 <a:solidFill>
                   <a:schemeClr val="accent1"/>
                 </a:solidFill>
               </a14:hiddenFill>
             </a:ext>
             <a:ext uri="{91240B29-F687-4F45-9708-019B960494DF}">
-              <a14:hiddenLine xmlns:a14="http://schemas.microsoft.com/office/drawing/2010/main" xmlns="" w="9525">
+              <a14:hiddenLine xmlns="" xmlns:a14="http://schemas.microsoft.com/office/drawing/2010/main" w="9525">
                 <a:solidFill>
                   <a:schemeClr val="tx1"/>
                 </a:solidFill>
@@ -1457,7 +1888,7 @@
               </a14:hiddenLine>
             </a:ext>
             <a:ext uri="{AF507438-7753-43E0-B8FC-AC1667EBCBE1}">
-              <a14:hiddenEffects xmlns:a14="http://schemas.microsoft.com/office/drawing/2010/main" xmlns="">
+              <a14:hiddenEffects xmlns="" xmlns:a14="http://schemas.microsoft.com/office/drawing/2010/main">
                 <a:effectLst>
                   <a:outerShdw dist="35921" dir="2700000" algn="ctr" rotWithShape="0">
                     <a:schemeClr val="bg2"/>
@@ -1598,7 +2029,7 @@
     </p:spTree>
     <p:extLst>
       <p:ext uri="{BB962C8B-B14F-4D97-AF65-F5344CB8AC3E}">
-        <p14:creationId xmlns:p14="http://schemas.microsoft.com/office/powerpoint/2010/main" xmlns="" val="2097366919"/>
+        <p14:creationId xmlns="" xmlns:p14="http://schemas.microsoft.com/office/powerpoint/2010/main" val="2097366919"/>
       </p:ext>
     </p:extLst>
   </p:cSld>
@@ -1673,7 +2104,7 @@
     </p:spTree>
     <p:extLst>
       <p:ext uri="{BB962C8B-B14F-4D97-AF65-F5344CB8AC3E}">
-        <p14:creationId xmlns:p14="http://schemas.microsoft.com/office/powerpoint/2010/main" xmlns="" val="779007194"/>
+        <p14:creationId xmlns="" xmlns:p14="http://schemas.microsoft.com/office/powerpoint/2010/main" val="779007194"/>
       </p:ext>
     </p:extLst>
   </p:cSld>
@@ -2271,7 +2702,7 @@
     </p:spTree>
     <p:extLst>
       <p:ext uri="{BB962C8B-B14F-4D97-AF65-F5344CB8AC3E}">
-        <p14:creationId xmlns:p14="http://schemas.microsoft.com/office/powerpoint/2010/main" xmlns="" val="3436223543"/>
+        <p14:creationId xmlns="" xmlns:p14="http://schemas.microsoft.com/office/powerpoint/2010/main" val="3436223543"/>
       </p:ext>
     </p:extLst>
   </p:cSld>
@@ -4597,37 +5028,31 @@
               <a:rPr lang="en-US" dirty="0" smtClean="0">
                 <a:latin typeface="Calibri" pitchFamily="34" charset="0"/>
               </a:rPr>
+              <a:t> SQL Server: </a:t>
+            </a:r>
+            <a:r>
+              <a:rPr lang="ru-RU" dirty="0" smtClean="0">
+                <a:latin typeface="Calibri" pitchFamily="34" charset="0"/>
+              </a:rPr>
               <a:t> </a:t>
             </a:r>
             <a:r>
-              <a:rPr lang="en-US" dirty="0" smtClean="0">
-                <a:latin typeface="Calibri" pitchFamily="34" charset="0"/>
-              </a:rPr>
-              <a:t>SQL Server: </a:t>
-            </a:r>
-            <a:r>
-              <a:rPr lang="ru-RU" dirty="0" smtClean="0">
-                <a:latin typeface="Calibri" pitchFamily="34" charset="0"/>
-              </a:rPr>
-              <a:t> </a:t>
-            </a:r>
-            <a:r>
               <a:rPr lang="en-US" b="1" dirty="0" smtClean="0">
                 <a:latin typeface="Calibri" pitchFamily="34" charset="0"/>
               </a:rPr>
-              <a:t>$ npm install </a:t>
+              <a:t>$ npm </a:t>
+            </a:r>
+            <a:r>
+              <a:rPr lang="en-US" b="1" dirty="0" smtClean="0">
+                <a:latin typeface="Calibri" pitchFamily="34" charset="0"/>
+              </a:rPr>
+              <a:t>install connect-</a:t>
             </a:r>
             <a:r>
               <a:rPr lang="en-US" b="1" dirty="0" err="1" smtClean="0">
                 <a:latin typeface="Calibri" pitchFamily="34" charset="0"/>
               </a:rPr>
               <a:t>mssql</a:t>
-            </a:r>
-            <a:r>
-              <a:rPr lang="en-US" b="1" dirty="0" smtClean="0">
-                <a:latin typeface="Calibri" pitchFamily="34" charset="0"/>
-              </a:rPr>
-              <a:t>-session-store </a:t>
             </a:r>
             <a:r>
               <a:rPr lang="en-US" b="1" dirty="0" smtClean="0">
@@ -4681,8 +5106,8 @@
         </p:nvSpPr>
         <p:spPr>
           <a:xfrm>
-            <a:off x="467544" y="2924944"/>
-            <a:ext cx="7992888" cy="3416320"/>
+            <a:off x="539552" y="2780928"/>
+            <a:ext cx="7992888" cy="3693319"/>
           </a:xfrm>
           <a:prstGeom prst="rect">
             <a:avLst/>
@@ -4714,9 +5139,24 @@
             </a:r>
             <a:r>
               <a:rPr lang="en-US" dirty="0" smtClean="0"/>
-              <a:t> session = require('express-session') </a:t>
-            </a:r>
-            <a:endParaRPr lang="en-US" dirty="0" smtClean="0"/>
+              <a:t> </a:t>
+            </a:r>
+            <a:r>
+              <a:rPr lang="en-US" dirty="0" err="1" smtClean="0"/>
+              <a:t>MSSQLStore</a:t>
+            </a:r>
+            <a:r>
+              <a:rPr lang="en-US" dirty="0" smtClean="0"/>
+              <a:t> = require('connect-</a:t>
+            </a:r>
+            <a:r>
+              <a:rPr lang="en-US" dirty="0" err="1" smtClean="0"/>
+              <a:t>mssql</a:t>
+            </a:r>
+            <a:r>
+              <a:rPr lang="en-US" dirty="0" smtClean="0"/>
+              <a:t>')(session);</a:t>
+            </a:r>
           </a:p>
           <a:p>
             <a:endParaRPr lang="en-US" dirty="0" smtClean="0"/>
@@ -4728,145 +5168,191 @@
             </a:r>
             <a:r>
               <a:rPr lang="en-US" dirty="0" smtClean="0"/>
-              <a:t> </a:t>
-            </a:r>
-            <a:r>
-              <a:rPr lang="en-US" dirty="0" err="1" smtClean="0"/>
-              <a:t>MssqlStore</a:t>
+              <a:t> session = require('express-session</a:t>
             </a:r>
             <a:r>
               <a:rPr lang="en-US" dirty="0" smtClean="0"/>
-              <a:t> = require('</a:t>
-            </a:r>
-            <a:r>
-              <a:rPr lang="en-US" dirty="0" err="1" smtClean="0"/>
-              <a:t>mssql</a:t>
-            </a:r>
-            <a:r>
-              <a:rPr lang="en-US" dirty="0" smtClean="0"/>
-              <a:t>-session-store')(session); </a:t>
-            </a:r>
-            <a:r>
-              <a:rPr lang="en-US" dirty="0" smtClean="0"/>
-              <a:t> </a:t>
-            </a:r>
-          </a:p>
-          <a:p>
-            <a:endParaRPr lang="en-US" dirty="0" smtClean="0"/>
-          </a:p>
-          <a:p>
-            <a:r>
-              <a:rPr lang="en-US" dirty="0" err="1" smtClean="0"/>
-              <a:t>app.use</a:t>
-            </a:r>
-            <a:r>
-              <a:rPr lang="en-US" dirty="0" smtClean="0"/>
-              <a:t>(</a:t>
-            </a:r>
-          </a:p>
-          <a:p>
-            <a:r>
-              <a:rPr lang="en-US" dirty="0" smtClean="0"/>
-              <a:t>	session</a:t>
-            </a:r>
-            <a:r>
-              <a:rPr lang="en-US" dirty="0" smtClean="0"/>
-              <a:t>({ </a:t>
-            </a:r>
-            <a:endParaRPr lang="en-US" dirty="0" smtClean="0"/>
-          </a:p>
-          <a:p>
-            <a:pPr lvl="2"/>
-            <a:r>
-              <a:rPr lang="en-US" dirty="0" smtClean="0"/>
-              <a:t>	</a:t>
-            </a:r>
-            <a:r>
-              <a:rPr lang="en-US" dirty="0" smtClean="0"/>
-              <a:t>secret</a:t>
-            </a:r>
-            <a:r>
-              <a:rPr lang="en-US" dirty="0" smtClean="0"/>
-              <a:t>: 'keyboard cat</a:t>
-            </a:r>
-            <a:r>
-              <a:rPr lang="en-US" dirty="0" smtClean="0"/>
-              <a:t>',</a:t>
-            </a:r>
-          </a:p>
-          <a:p>
-            <a:pPr lvl="2"/>
-            <a:r>
-              <a:rPr lang="en-US" dirty="0" smtClean="0"/>
-              <a:t>	</a:t>
-            </a:r>
-            <a:r>
-              <a:rPr lang="en-US" dirty="0" smtClean="0"/>
-              <a:t> </a:t>
-            </a:r>
-            <a:r>
-              <a:rPr lang="en-US" dirty="0" smtClean="0"/>
-              <a:t>resave: false, </a:t>
-            </a:r>
-            <a:endParaRPr lang="en-US" dirty="0" smtClean="0"/>
-          </a:p>
-          <a:p>
-            <a:pPr lvl="2"/>
-            <a:r>
-              <a:rPr lang="en-US" dirty="0" smtClean="0"/>
-              <a:t>	</a:t>
-            </a:r>
-            <a:r>
-              <a:rPr lang="en-US" dirty="0" err="1" smtClean="0"/>
-              <a:t>saveUninitialized</a:t>
-            </a:r>
-            <a:r>
-              <a:rPr lang="en-US" dirty="0" smtClean="0"/>
-              <a:t>: false, </a:t>
-            </a:r>
-            <a:endParaRPr lang="en-US" dirty="0" smtClean="0"/>
-          </a:p>
-          <a:p>
-            <a:pPr lvl="2"/>
-            <a:r>
-              <a:rPr lang="en-US" dirty="0" smtClean="0"/>
-              <a:t>	</a:t>
-            </a:r>
-            <a:r>
-              <a:rPr lang="en-US" dirty="0" smtClean="0"/>
-              <a:t>store</a:t>
-            </a:r>
-            <a:r>
-              <a:rPr lang="en-US" dirty="0" smtClean="0"/>
-              <a:t>: new </a:t>
-            </a:r>
-            <a:r>
-              <a:rPr lang="en-US" dirty="0" err="1" smtClean="0"/>
-              <a:t>MssqlStore</a:t>
-            </a:r>
-            <a:r>
-              <a:rPr lang="en-US" dirty="0" smtClean="0"/>
-              <a:t>(options)</a:t>
-            </a:r>
-          </a:p>
-          <a:p>
-            <a:r>
-              <a:rPr lang="en-US" dirty="0" smtClean="0"/>
-              <a:t>	</a:t>
-            </a:r>
-            <a:r>
-              <a:rPr lang="en-US" dirty="0" smtClean="0"/>
-              <a:t>})</a:t>
-            </a:r>
-          </a:p>
-          <a:p>
-            <a:r>
-              <a:rPr lang="en-US" dirty="0" smtClean="0"/>
-              <a:t>);</a:t>
-            </a:r>
-            <a:endParaRPr lang="uk-UA" dirty="0">
+              <a:t>'); </a:t>
+            </a:r>
+          </a:p>
+          <a:p>
+            <a:endParaRPr lang="en-US" dirty="0" smtClean="0">
               <a:latin typeface="Calibri" pitchFamily="34" charset="0"/>
             </a:endParaRPr>
+          </a:p>
+          <a:p>
+            <a:r>
+              <a:rPr lang="en-US" dirty="0" err="1" smtClean="0">
+                <a:latin typeface="Calibri" pitchFamily="34" charset="0"/>
+              </a:rPr>
+              <a:t>var</a:t>
+            </a:r>
+            <a:r>
+              <a:rPr lang="en-US" dirty="0" smtClean="0">
+                <a:latin typeface="Calibri" pitchFamily="34" charset="0"/>
+              </a:rPr>
+              <a:t> </a:t>
+            </a:r>
+            <a:r>
+              <a:rPr lang="en-US" dirty="0" err="1" smtClean="0">
+                <a:latin typeface="Calibri" pitchFamily="34" charset="0"/>
+              </a:rPr>
+              <a:t>config</a:t>
+            </a:r>
+            <a:r>
+              <a:rPr lang="en-US" dirty="0" smtClean="0">
+                <a:latin typeface="Calibri" pitchFamily="34" charset="0"/>
+              </a:rPr>
+              <a:t> = {</a:t>
+            </a:r>
+          </a:p>
+          <a:p>
+            <a:r>
+              <a:rPr lang="en-US" dirty="0" smtClean="0">
+                <a:latin typeface="Calibri" pitchFamily="34" charset="0"/>
+              </a:rPr>
+              <a:t>// </a:t>
+            </a:r>
+            <a:r>
+              <a:rPr lang="ru-RU" dirty="0" smtClean="0">
+                <a:latin typeface="Calibri" pitchFamily="34" charset="0"/>
+              </a:rPr>
+              <a:t>конфигурация соединения с </a:t>
+            </a:r>
+            <a:r>
+              <a:rPr lang="ru-RU" dirty="0" err="1" smtClean="0">
+                <a:latin typeface="Calibri" pitchFamily="34" charset="0"/>
+              </a:rPr>
+              <a:t>бд</a:t>
+            </a:r>
+            <a:endParaRPr lang="en-US" dirty="0" smtClean="0">
+              <a:latin typeface="Calibri" pitchFamily="34" charset="0"/>
+            </a:endParaRPr>
+          </a:p>
+          <a:p>
+            <a:r>
+              <a:rPr lang="uk-UA" dirty="0" smtClean="0">
+                <a:latin typeface="Calibri" pitchFamily="34" charset="0"/>
+              </a:rPr>
+              <a:t>} </a:t>
+            </a:r>
+            <a:endParaRPr lang="uk-UA" dirty="0" smtClean="0">
+              <a:latin typeface="Calibri" pitchFamily="34" charset="0"/>
+            </a:endParaRPr>
+          </a:p>
+          <a:p>
+            <a:r>
+              <a:rPr lang="en-US" dirty="0" err="1" smtClean="0">
+                <a:latin typeface="Calibri" pitchFamily="34" charset="0"/>
+              </a:rPr>
+              <a:t>app.use</a:t>
+            </a:r>
+            <a:r>
+              <a:rPr lang="en-US" dirty="0" smtClean="0">
+                <a:latin typeface="Calibri" pitchFamily="34" charset="0"/>
+              </a:rPr>
+              <a:t>(session</a:t>
+            </a:r>
+            <a:r>
+              <a:rPr lang="en-US" dirty="0" smtClean="0">
+                <a:latin typeface="Calibri" pitchFamily="34" charset="0"/>
+              </a:rPr>
+              <a:t>({</a:t>
+            </a:r>
+          </a:p>
+          <a:p>
+            <a:r>
+              <a:rPr lang="en-US" dirty="0" smtClean="0">
+                <a:latin typeface="Calibri" pitchFamily="34" charset="0"/>
+              </a:rPr>
+              <a:t>    store: new </a:t>
+            </a:r>
+            <a:r>
+              <a:rPr lang="en-US" dirty="0" err="1" smtClean="0">
+                <a:latin typeface="Calibri" pitchFamily="34" charset="0"/>
+              </a:rPr>
+              <a:t>MSSQLStore</a:t>
+            </a:r>
+            <a:r>
+              <a:rPr lang="en-US" dirty="0" smtClean="0">
+                <a:latin typeface="Calibri" pitchFamily="34" charset="0"/>
+              </a:rPr>
+              <a:t>(</a:t>
+            </a:r>
+            <a:r>
+              <a:rPr lang="en-US" dirty="0" err="1" smtClean="0">
+                <a:latin typeface="Calibri" pitchFamily="34" charset="0"/>
+              </a:rPr>
+              <a:t>config</a:t>
+            </a:r>
+            <a:r>
+              <a:rPr lang="en-US" dirty="0" smtClean="0">
+                <a:latin typeface="Calibri" pitchFamily="34" charset="0"/>
+              </a:rPr>
+              <a:t>), </a:t>
+            </a:r>
+          </a:p>
+          <a:p>
+            <a:r>
+              <a:rPr lang="en-US" dirty="0" smtClean="0">
+                <a:latin typeface="Calibri" pitchFamily="34" charset="0"/>
+              </a:rPr>
+              <a:t>    resave</a:t>
+            </a:r>
+            <a:r>
+              <a:rPr lang="en-US" dirty="0" smtClean="0">
+                <a:latin typeface="Calibri" pitchFamily="34" charset="0"/>
+              </a:rPr>
+              <a:t>: false,</a:t>
+            </a:r>
+          </a:p>
+          <a:p>
+            <a:r>
+              <a:rPr lang="en-US" dirty="0" smtClean="0">
+                <a:latin typeface="Calibri" pitchFamily="34" charset="0"/>
+              </a:rPr>
+              <a:t>    </a:t>
+            </a:r>
+            <a:r>
+              <a:rPr lang="en-US" dirty="0" err="1" smtClean="0">
+                <a:latin typeface="Calibri" pitchFamily="34" charset="0"/>
+              </a:rPr>
+              <a:t>saveUninitialized</a:t>
+            </a:r>
+            <a:r>
+              <a:rPr lang="en-US" dirty="0" smtClean="0">
+                <a:latin typeface="Calibri" pitchFamily="34" charset="0"/>
+              </a:rPr>
+              <a:t>: true,</a:t>
+            </a:r>
+          </a:p>
+          <a:p>
+            <a:r>
+              <a:rPr lang="en-US" dirty="0" smtClean="0">
+                <a:latin typeface="Calibri" pitchFamily="34" charset="0"/>
+              </a:rPr>
+              <a:t>    secret: '</a:t>
+            </a:r>
+            <a:r>
+              <a:rPr lang="en-US" dirty="0" err="1" smtClean="0">
+                <a:latin typeface="Calibri" pitchFamily="34" charset="0"/>
+              </a:rPr>
+              <a:t>supersecret</a:t>
+            </a:r>
+            <a:r>
+              <a:rPr lang="en-US" dirty="0" smtClean="0">
+                <a:latin typeface="Calibri" pitchFamily="34" charset="0"/>
+              </a:rPr>
+              <a:t>'</a:t>
+            </a:r>
+          </a:p>
+          <a:p>
+            <a:r>
+              <a:rPr lang="en-US" dirty="0" smtClean="0">
+                <a:latin typeface="Calibri" pitchFamily="34" charset="0"/>
+              </a:rPr>
+              <a:t>})); </a:t>
+            </a:r>
           </a:p>
         </p:txBody>
       </p:sp>
@@ -5101,4 +5587,287 @@
   <a:objectDefaults/>
   <a:extraClrSchemeLst/>
 </a:theme>
+</file>
+
+<file path=ppt/theme/theme2.xml><?xml version="1.0" encoding="utf-8"?>
+<a:theme xmlns:a="http://schemas.openxmlformats.org/drawingml/2006/main" name="Тема Office">
+  <a:themeElements>
+    <a:clrScheme name="Стандартная">
+      <a:dk1>
+        <a:sysClr val="windowText" lastClr="000000"/>
+      </a:dk1>
+      <a:lt1>
+        <a:sysClr val="window" lastClr="FFFFFF"/>
+      </a:lt1>
+      <a:dk2>
+        <a:srgbClr val="1F497D"/>
+      </a:dk2>
+      <a:lt2>
+        <a:srgbClr val="EEECE1"/>
+      </a:lt2>
+      <a:accent1>
+        <a:srgbClr val="4F81BD"/>
+      </a:accent1>
+      <a:accent2>
+        <a:srgbClr val="C0504D"/>
+      </a:accent2>
+      <a:accent3>
+        <a:srgbClr val="9BBB59"/>
+      </a:accent3>
+      <a:accent4>
+        <a:srgbClr val="8064A2"/>
+      </a:accent4>
+      <a:accent5>
+        <a:srgbClr val="4BACC6"/>
+      </a:accent5>
+      <a:accent6>
+        <a:srgbClr val="F79646"/>
+      </a:accent6>
+      <a:hlink>
+        <a:srgbClr val="0000FF"/>
+      </a:hlink>
+      <a:folHlink>
+        <a:srgbClr val="800080"/>
+      </a:folHlink>
+    </a:clrScheme>
+    <a:fontScheme name="Стандартная">
+      <a:majorFont>
+        <a:latin typeface="Calibri"/>
+        <a:ea typeface=""/>
+        <a:cs typeface=""/>
+        <a:font script="Jpan" typeface="ＭＳ Ｐゴシック"/>
+        <a:font script="Hang" typeface="맑은 고딕"/>
+        <a:font script="Hans" typeface="宋体"/>
+        <a:font script="Hant" typeface="新細明體"/>
+        <a:font script="Arab" typeface="Times New Roman"/>
+        <a:font script="Hebr" typeface="Times New Roman"/>
+        <a:font script="Thai" typeface="Angsana New"/>
+        <a:font script="Ethi" typeface="Nyala"/>
+        <a:font script="Beng" typeface="Vrinda"/>
+        <a:font script="Gujr" typeface="Shruti"/>
+        <a:font script="Khmr" typeface="MoolBoran"/>
+        <a:font script="Knda" typeface="Tunga"/>
+        <a:font script="Guru" typeface="Raavi"/>
+        <a:font script="Cans" typeface="Euphemia"/>
+        <a:font script="Cher" typeface="Plantagenet Cherokee"/>
+        <a:font script="Yiii" typeface="Microsoft Yi Baiti"/>
+        <a:font script="Tibt" typeface="Microsoft Himalaya"/>
+        <a:font script="Thaa" typeface="MV Boli"/>
+        <a:font script="Deva" typeface="Mangal"/>
+        <a:font script="Telu" typeface="Gautami"/>
+        <a:font script="Taml" typeface="Latha"/>
+        <a:font script="Syrc" typeface="Estrangelo Edessa"/>
+        <a:font script="Orya" typeface="Kalinga"/>
+        <a:font script="Mlym" typeface="Kartika"/>
+        <a:font script="Laoo" typeface="DokChampa"/>
+        <a:font script="Sinh" typeface="Iskoola Pota"/>
+        <a:font script="Mong" typeface="Mongolian Baiti"/>
+        <a:font script="Viet" typeface="Times New Roman"/>
+        <a:font script="Uigh" typeface="Microsoft Uighur"/>
+      </a:majorFont>
+      <a:minorFont>
+        <a:latin typeface="Calibri"/>
+        <a:ea typeface=""/>
+        <a:cs typeface=""/>
+        <a:font script="Jpan" typeface="ＭＳ Ｐゴシック"/>
+        <a:font script="Hang" typeface="맑은 고딕"/>
+        <a:font script="Hans" typeface="宋体"/>
+        <a:font script="Hant" typeface="新細明體"/>
+        <a:font script="Arab" typeface="Arial"/>
+        <a:font script="Hebr" typeface="Arial"/>
+        <a:font script="Thai" typeface="Cordia New"/>
+        <a:font script="Ethi" typeface="Nyala"/>
+        <a:font script="Beng" typeface="Vrinda"/>
+        <a:font script="Gujr" typeface="Shruti"/>
+        <a:font script="Khmr" typeface="DaunPenh"/>
+        <a:font script="Knda" typeface="Tunga"/>
+        <a:font script="Guru" typeface="Raavi"/>
+        <a:font script="Cans" typeface="Euphemia"/>
+        <a:font script="Cher" typeface="Plantagenet Cherokee"/>
+        <a:font script="Yiii" typeface="Microsoft Yi Baiti"/>
+        <a:font script="Tibt" typeface="Microsoft Himalaya"/>
+        <a:font script="Thaa" typeface="MV Boli"/>
+        <a:font script="Deva" typeface="Mangal"/>
+        <a:font script="Telu" typeface="Gautami"/>
+        <a:font script="Taml" typeface="Latha"/>
+        <a:font script="Syrc" typeface="Estrangelo Edessa"/>
+        <a:font script="Orya" typeface="Kalinga"/>
+        <a:font script="Mlym" typeface="Kartika"/>
+        <a:font script="Laoo" typeface="DokChampa"/>
+        <a:font script="Sinh" typeface="Iskoola Pota"/>
+        <a:font script="Mong" typeface="Mongolian Baiti"/>
+        <a:font script="Viet" typeface="Arial"/>
+        <a:font script="Uigh" typeface="Microsoft Uighur"/>
+      </a:minorFont>
+    </a:fontScheme>
+    <a:fmtScheme name="Стандартная">
+      <a:fillStyleLst>
+        <a:solidFill>
+          <a:schemeClr val="phClr"/>
+        </a:solidFill>
+        <a:gradFill rotWithShape="1">
+          <a:gsLst>
+            <a:gs pos="0">
+              <a:schemeClr val="phClr">
+                <a:tint val="50000"/>
+                <a:satMod val="300000"/>
+              </a:schemeClr>
+            </a:gs>
+            <a:gs pos="35000">
+              <a:schemeClr val="phClr">
+                <a:tint val="37000"/>
+                <a:satMod val="300000"/>
+              </a:schemeClr>
+            </a:gs>
+            <a:gs pos="100000">
+              <a:schemeClr val="phClr">
+                <a:tint val="15000"/>
+                <a:satMod val="350000"/>
+              </a:schemeClr>
+            </a:gs>
+          </a:gsLst>
+          <a:lin ang="16200000" scaled="1"/>
+        </a:gradFill>
+        <a:gradFill rotWithShape="1">
+          <a:gsLst>
+            <a:gs pos="0">
+              <a:schemeClr val="phClr">
+                <a:shade val="51000"/>
+                <a:satMod val="130000"/>
+              </a:schemeClr>
+            </a:gs>
+            <a:gs pos="80000">
+              <a:schemeClr val="phClr">
+                <a:shade val="93000"/>
+                <a:satMod val="130000"/>
+              </a:schemeClr>
+            </a:gs>
+            <a:gs pos="100000">
+              <a:schemeClr val="phClr">
+                <a:shade val="94000"/>
+                <a:satMod val="135000"/>
+              </a:schemeClr>
+            </a:gs>
+          </a:gsLst>
+          <a:lin ang="16200000" scaled="0"/>
+        </a:gradFill>
+      </a:fillStyleLst>
+      <a:lnStyleLst>
+        <a:ln w="9525" cap="flat" cmpd="sng" algn="ctr">
+          <a:solidFill>
+            <a:schemeClr val="phClr">
+              <a:shade val="95000"/>
+              <a:satMod val="105000"/>
+            </a:schemeClr>
+          </a:solidFill>
+          <a:prstDash val="solid"/>
+        </a:ln>
+        <a:ln w="25400" cap="flat" cmpd="sng" algn="ctr">
+          <a:solidFill>
+            <a:schemeClr val="phClr"/>
+          </a:solidFill>
+          <a:prstDash val="solid"/>
+        </a:ln>
+        <a:ln w="38100" cap="flat" cmpd="sng" algn="ctr">
+          <a:solidFill>
+            <a:schemeClr val="phClr"/>
+          </a:solidFill>
+          <a:prstDash val="solid"/>
+        </a:ln>
+      </a:lnStyleLst>
+      <a:effectStyleLst>
+        <a:effectStyle>
+          <a:effectLst>
+            <a:outerShdw blurRad="40000" dist="20000" dir="5400000" rotWithShape="0">
+              <a:srgbClr val="000000">
+                <a:alpha val="38000"/>
+              </a:srgbClr>
+            </a:outerShdw>
+          </a:effectLst>
+        </a:effectStyle>
+        <a:effectStyle>
+          <a:effectLst>
+            <a:outerShdw blurRad="40000" dist="23000" dir="5400000" rotWithShape="0">
+              <a:srgbClr val="000000">
+                <a:alpha val="35000"/>
+              </a:srgbClr>
+            </a:outerShdw>
+          </a:effectLst>
+        </a:effectStyle>
+        <a:effectStyle>
+          <a:effectLst>
+            <a:outerShdw blurRad="40000" dist="23000" dir="5400000" rotWithShape="0">
+              <a:srgbClr val="000000">
+                <a:alpha val="35000"/>
+              </a:srgbClr>
+            </a:outerShdw>
+          </a:effectLst>
+          <a:scene3d>
+            <a:camera prst="orthographicFront">
+              <a:rot lat="0" lon="0" rev="0"/>
+            </a:camera>
+            <a:lightRig rig="threePt" dir="t">
+              <a:rot lat="0" lon="0" rev="1200000"/>
+            </a:lightRig>
+          </a:scene3d>
+          <a:sp3d>
+            <a:bevelT w="63500" h="25400"/>
+          </a:sp3d>
+        </a:effectStyle>
+      </a:effectStyleLst>
+      <a:bgFillStyleLst>
+        <a:solidFill>
+          <a:schemeClr val="phClr"/>
+        </a:solidFill>
+        <a:gradFill rotWithShape="1">
+          <a:gsLst>
+            <a:gs pos="0">
+              <a:schemeClr val="phClr">
+                <a:tint val="40000"/>
+                <a:satMod val="350000"/>
+              </a:schemeClr>
+            </a:gs>
+            <a:gs pos="40000">
+              <a:schemeClr val="phClr">
+                <a:tint val="45000"/>
+                <a:shade val="99000"/>
+                <a:satMod val="350000"/>
+              </a:schemeClr>
+            </a:gs>
+            <a:gs pos="100000">
+              <a:schemeClr val="phClr">
+                <a:shade val="20000"/>
+                <a:satMod val="255000"/>
+              </a:schemeClr>
+            </a:gs>
+          </a:gsLst>
+          <a:path path="circle">
+            <a:fillToRect l="50000" t="-80000" r="50000" b="180000"/>
+          </a:path>
+        </a:gradFill>
+        <a:gradFill rotWithShape="1">
+          <a:gsLst>
+            <a:gs pos="0">
+              <a:schemeClr val="phClr">
+                <a:tint val="80000"/>
+                <a:satMod val="300000"/>
+              </a:schemeClr>
+            </a:gs>
+            <a:gs pos="100000">
+              <a:schemeClr val="phClr">
+                <a:shade val="30000"/>
+                <a:satMod val="200000"/>
+              </a:schemeClr>
+            </a:gs>
+          </a:gsLst>
+          <a:path path="circle">
+            <a:fillToRect l="50000" t="50000" r="50000" b="50000"/>
+          </a:path>
+        </a:gradFill>
+      </a:bgFillStyleLst>
+    </a:fmtScheme>
+  </a:themeElements>
+  <a:objectDefaults/>
+  <a:extraClrSchemeLst/>
+</a:theme>
 </file>